--- a/eksamen/slides.pptx
+++ b/eksamen/slides.pptx
@@ -5,7 +5,7 @@
     <p:sldMasterId id="2147483823" r:id="rId1"/>
   </p:sldMasterIdLst>
   <p:notesMasterIdLst>
-    <p:notesMasterId r:id="rId22"/>
+    <p:notesMasterId r:id="rId21"/>
   </p:notesMasterIdLst>
   <p:sldIdLst>
     <p:sldId id="256" r:id="rId2"/>
@@ -20,14 +20,13 @@
     <p:sldId id="272" r:id="rId11"/>
     <p:sldId id="273" r:id="rId12"/>
     <p:sldId id="274" r:id="rId13"/>
-    <p:sldId id="275" r:id="rId14"/>
-    <p:sldId id="276" r:id="rId15"/>
-    <p:sldId id="277" r:id="rId16"/>
-    <p:sldId id="278" r:id="rId17"/>
-    <p:sldId id="279" r:id="rId18"/>
-    <p:sldId id="280" r:id="rId19"/>
-    <p:sldId id="281" r:id="rId20"/>
-    <p:sldId id="282" r:id="rId21"/>
+    <p:sldId id="276" r:id="rId14"/>
+    <p:sldId id="277" r:id="rId15"/>
+    <p:sldId id="278" r:id="rId16"/>
+    <p:sldId id="279" r:id="rId17"/>
+    <p:sldId id="280" r:id="rId18"/>
+    <p:sldId id="281" r:id="rId19"/>
+    <p:sldId id="282" r:id="rId20"/>
   </p:sldIdLst>
   <p:sldSz cx="9144000" cy="6858000" type="screen4x3"/>
   <p:notesSz cx="6858000" cy="9144000"/>
@@ -143,7 +142,6 @@
             <p14:sldId id="272"/>
             <p14:sldId id="273"/>
             <p14:sldId id="274"/>
-            <p14:sldId id="275"/>
             <p14:sldId id="276"/>
             <p14:sldId id="277"/>
             <p14:sldId id="278"/>
@@ -241,7 +239,7 @@
           <a:p>
             <a:fld id="{8A0AE328-6C4C-3945-A69D-F9102B7502C6}" type="datetimeFigureOut">
               <a:rPr lang="en-US" smtClean="0"/>
-              <a:t>6/14/2011</a:t>
+              <a:t>6/15/2011</a:t>
             </a:fld>
             <a:endParaRPr lang="en-US"/>
           </a:p>
@@ -774,7 +772,7 @@
           <a:p>
             <a:fld id="{BBF44E26-10A0-124C-B79F-DFF0463C80BF}" type="datetimeFigureOut">
               <a:rPr lang="en-US" smtClean="0"/>
-              <a:t>6/14/2011</a:t>
+              <a:t>6/15/2011</a:t>
             </a:fld>
             <a:endParaRPr lang="en-US"/>
           </a:p>
@@ -944,7 +942,7 @@
           <a:p>
             <a:fld id="{BBF44E26-10A0-124C-B79F-DFF0463C80BF}" type="datetimeFigureOut">
               <a:rPr lang="en-US" smtClean="0"/>
-              <a:t>6/14/2011</a:t>
+              <a:t>6/15/2011</a:t>
             </a:fld>
             <a:endParaRPr lang="en-US"/>
           </a:p>
@@ -1124,7 +1122,7 @@
           <a:p>
             <a:fld id="{BBF44E26-10A0-124C-B79F-DFF0463C80BF}" type="datetimeFigureOut">
               <a:rPr lang="en-US" smtClean="0"/>
-              <a:t>6/14/2011</a:t>
+              <a:t>6/15/2011</a:t>
             </a:fld>
             <a:endParaRPr lang="en-US"/>
           </a:p>
@@ -1294,7 +1292,7 @@
           <a:p>
             <a:fld id="{BBF44E26-10A0-124C-B79F-DFF0463C80BF}" type="datetimeFigureOut">
               <a:rPr lang="en-US" smtClean="0"/>
-              <a:t>6/14/2011</a:t>
+              <a:t>6/15/2011</a:t>
             </a:fld>
             <a:endParaRPr lang="en-US"/>
           </a:p>
@@ -1540,7 +1538,7 @@
           <a:p>
             <a:fld id="{BBF44E26-10A0-124C-B79F-DFF0463C80BF}" type="datetimeFigureOut">
               <a:rPr lang="en-US" smtClean="0"/>
-              <a:t>6/14/2011</a:t>
+              <a:t>6/15/2011</a:t>
             </a:fld>
             <a:endParaRPr lang="en-US"/>
           </a:p>
@@ -1828,7 +1826,7 @@
           <a:p>
             <a:fld id="{BBF44E26-10A0-124C-B79F-DFF0463C80BF}" type="datetimeFigureOut">
               <a:rPr lang="en-US" smtClean="0"/>
-              <a:t>6/14/2011</a:t>
+              <a:t>6/15/2011</a:t>
             </a:fld>
             <a:endParaRPr lang="en-US"/>
           </a:p>
@@ -2250,7 +2248,7 @@
           <a:p>
             <a:fld id="{BBF44E26-10A0-124C-B79F-DFF0463C80BF}" type="datetimeFigureOut">
               <a:rPr lang="en-US" smtClean="0"/>
-              <a:t>6/14/2011</a:t>
+              <a:t>6/15/2011</a:t>
             </a:fld>
             <a:endParaRPr lang="en-US"/>
           </a:p>
@@ -2368,7 +2366,7 @@
           <a:p>
             <a:fld id="{BBF44E26-10A0-124C-B79F-DFF0463C80BF}" type="datetimeFigureOut">
               <a:rPr lang="en-US" smtClean="0"/>
-              <a:t>6/14/2011</a:t>
+              <a:t>6/15/2011</a:t>
             </a:fld>
             <a:endParaRPr lang="en-US"/>
           </a:p>
@@ -2463,7 +2461,7 @@
           <a:p>
             <a:fld id="{BBF44E26-10A0-124C-B79F-DFF0463C80BF}" type="datetimeFigureOut">
               <a:rPr lang="en-US" smtClean="0"/>
-              <a:t>6/14/2011</a:t>
+              <a:t>6/15/2011</a:t>
             </a:fld>
             <a:endParaRPr lang="en-US"/>
           </a:p>
@@ -2740,7 +2738,7 @@
           <a:p>
             <a:fld id="{BBF44E26-10A0-124C-B79F-DFF0463C80BF}" type="datetimeFigureOut">
               <a:rPr lang="en-US" smtClean="0"/>
-              <a:t>6/14/2011</a:t>
+              <a:t>6/15/2011</a:t>
             </a:fld>
             <a:endParaRPr lang="en-US"/>
           </a:p>
@@ -2993,7 +2991,7 @@
           <a:p>
             <a:fld id="{BBF44E26-10A0-124C-B79F-DFF0463C80BF}" type="datetimeFigureOut">
               <a:rPr lang="en-US" smtClean="0"/>
-              <a:t>6/14/2011</a:t>
+              <a:t>6/15/2011</a:t>
             </a:fld>
             <a:endParaRPr lang="en-US"/>
           </a:p>
@@ -3278,7 +3276,7 @@
           <a:p>
             <a:fld id="{BBF44E26-10A0-124C-B79F-DFF0463C80BF}" type="datetimeFigureOut">
               <a:rPr lang="en-US" smtClean="0"/>
-              <a:t>6/14/2011</a:t>
+              <a:t>6/15/2011</a:t>
             </a:fld>
             <a:endParaRPr lang="en-US"/>
           </a:p>
@@ -3713,11 +3711,11 @@
   <p:clrMapOvr>
     <a:masterClrMapping/>
   </p:clrMapOvr>
-  <mc:AlternateContent xmlns:mc="http://schemas.openxmlformats.org/markup-compatibility/2006">
-    <mc:Choice xmlns:p14="http://schemas.microsoft.com/office/powerpoint/2010/main" Requires="p14">
+  <mc:AlternateContent xmlns:mc="http://schemas.openxmlformats.org/markup-compatibility/2006" xmlns:p14="http://schemas.microsoft.com/office/powerpoint/2010/main">
+    <mc:Choice Requires="p14">
       <p:transition spd="slow" p14:dur="2000" advTm="6789"/>
     </mc:Choice>
-    <mc:Fallback>
+    <mc:Fallback xmlns="">
       <p:transition spd="slow" advTm="6789"/>
     </mc:Fallback>
   </mc:AlternateContent>
@@ -5313,181 +5311,6 @@
           <a:p>
             <a:r>
               <a:rPr lang="en-US" dirty="0" smtClean="0"/>
-              <a:t>Ball Detection</a:t>
-            </a:r>
-            <a:endParaRPr lang="en-US" dirty="0"/>
-          </a:p>
-        </p:txBody>
-      </p:sp>
-      <p:sp>
-        <p:nvSpPr>
-          <p:cNvPr id="10" name="Content Placeholder 9"/>
-          <p:cNvSpPr>
-            <a:spLocks noGrp="1"/>
-          </p:cNvSpPr>
-          <p:nvPr>
-            <p:ph idx="1"/>
-          </p:nvPr>
-        </p:nvSpPr>
-        <p:spPr/>
-        <p:txBody>
-          <a:bodyPr/>
-          <a:lstStyle/>
-          <a:p>
-            <a:pPr marL="0" indent="0">
-              <a:buNone/>
-            </a:pPr>
-            <a:r>
-              <a:rPr lang="da-DK" dirty="0" smtClean="0"/>
-              <a:t>Add video</a:t>
-            </a:r>
-          </a:p>
-          <a:p>
-            <a:pPr marL="0" indent="0">
-              <a:buNone/>
-            </a:pPr>
-            <a:endParaRPr lang="en-US" dirty="0"/>
-          </a:p>
-          <a:p>
-            <a:pPr marL="0" indent="0">
-              <a:buNone/>
-            </a:pPr>
-            <a:endParaRPr lang="en-US" dirty="0" smtClean="0"/>
-          </a:p>
-          <a:p>
-            <a:endParaRPr lang="en-US" dirty="0"/>
-          </a:p>
-        </p:txBody>
-      </p:sp>
-    </p:spTree>
-    <p:extLst>
-      <p:ext uri="{BB962C8B-B14F-4D97-AF65-F5344CB8AC3E}">
-        <p14:creationId xmlns:p14="http://schemas.microsoft.com/office/powerpoint/2010/main" val="3377784932"/>
-      </p:ext>
-    </p:extLst>
-  </p:cSld>
-  <p:clrMapOvr>
-    <a:masterClrMapping/>
-  </p:clrMapOvr>
-  <p:timing>
-    <p:tnLst>
-      <p:par>
-        <p:cTn id="1" dur="indefinite" restart="never" nodeType="tmRoot">
-          <p:childTnLst>
-            <p:seq concurrent="1" nextAc="seek">
-              <p:cTn id="2" dur="indefinite" nodeType="mainSeq">
-                <p:childTnLst>
-                  <p:par>
-                    <p:cTn id="3" fill="hold">
-                      <p:stCondLst>
-                        <p:cond delay="indefinite"/>
-                      </p:stCondLst>
-                      <p:childTnLst>
-                        <p:par>
-                          <p:cTn id="4" fill="hold">
-                            <p:stCondLst>
-                              <p:cond delay="0"/>
-                            </p:stCondLst>
-                            <p:childTnLst>
-                              <p:par>
-                                <p:cTn id="5" presetID="1" presetClass="entr" presetSubtype="0" fill="hold" grpId="0" nodeType="clickEffect">
-                                  <p:stCondLst>
-                                    <p:cond delay="0"/>
-                                  </p:stCondLst>
-                                  <p:childTnLst>
-                                    <p:set>
-                                      <p:cBhvr>
-                                        <p:cTn id="6" dur="1" fill="hold">
-                                          <p:stCondLst>
-                                            <p:cond delay="0"/>
-                                          </p:stCondLst>
-                                        </p:cTn>
-                                        <p:tgtEl>
-                                          <p:spTgt spid="10">
-                                            <p:txEl>
-                                              <p:pRg st="0" end="0"/>
-                                            </p:txEl>
-                                          </p:spTgt>
-                                        </p:tgtEl>
-                                        <p:attrNameLst>
-                                          <p:attrName>style.visibility</p:attrName>
-                                        </p:attrNameLst>
-                                      </p:cBhvr>
-                                      <p:to>
-                                        <p:strVal val="visible"/>
-                                      </p:to>
-                                    </p:set>
-                                  </p:childTnLst>
-                                </p:cTn>
-                              </p:par>
-                            </p:childTnLst>
-                          </p:cTn>
-                        </p:par>
-                      </p:childTnLst>
-                    </p:cTn>
-                  </p:par>
-                </p:childTnLst>
-              </p:cTn>
-              <p:prevCondLst>
-                <p:cond evt="onPrev" delay="0">
-                  <p:tgtEl>
-                    <p:sldTgt/>
-                  </p:tgtEl>
-                </p:cond>
-              </p:prevCondLst>
-              <p:nextCondLst>
-                <p:cond evt="onNext" delay="0">
-                  <p:tgtEl>
-                    <p:sldTgt/>
-                  </p:tgtEl>
-                </p:cond>
-              </p:nextCondLst>
-            </p:seq>
-          </p:childTnLst>
-        </p:cTn>
-      </p:par>
-    </p:tnLst>
-    <p:bldLst>
-      <p:bldP spid="10" grpId="0" build="p"/>
-    </p:bldLst>
-  </p:timing>
-</p:sld>
-</file>
-
-<file path=ppt/slides/slide14.xml><?xml version="1.0" encoding="utf-8"?>
-<p:sld xmlns:a="http://schemas.openxmlformats.org/drawingml/2006/main" xmlns:r="http://schemas.openxmlformats.org/officeDocument/2006/relationships" xmlns:p="http://schemas.openxmlformats.org/presentationml/2006/main">
-  <p:cSld>
-    <p:spTree>
-      <p:nvGrpSpPr>
-        <p:cNvPr id="1" name=""/>
-        <p:cNvGrpSpPr/>
-        <p:nvPr/>
-      </p:nvGrpSpPr>
-      <p:grpSpPr>
-        <a:xfrm>
-          <a:off x="0" y="0"/>
-          <a:ext cx="0" cy="0"/>
-          <a:chOff x="0" y="0"/>
-          <a:chExt cx="0" cy="0"/>
-        </a:xfrm>
-      </p:grpSpPr>
-      <p:sp>
-        <p:nvSpPr>
-          <p:cNvPr id="2" name="Title 1"/>
-          <p:cNvSpPr>
-            <a:spLocks noGrp="1"/>
-          </p:cNvSpPr>
-          <p:nvPr>
-            <p:ph type="title"/>
-          </p:nvPr>
-        </p:nvSpPr>
-        <p:spPr/>
-        <p:txBody>
-          <a:bodyPr/>
-          <a:lstStyle/>
-          <a:p>
-            <a:r>
-              <a:rPr lang="en-US" dirty="0" smtClean="0"/>
               <a:t>Ball Identification - Calibration</a:t>
             </a:r>
             <a:endParaRPr lang="en-US" dirty="0"/>
@@ -5869,7 +5692,7 @@
 </p:sld>
 </file>
 
-<file path=ppt/slides/slide15.xml><?xml version="1.0" encoding="utf-8"?>
+<file path=ppt/slides/slide14.xml><?xml version="1.0" encoding="utf-8"?>
 <p:sld xmlns:a="http://schemas.openxmlformats.org/drawingml/2006/main" xmlns:r="http://schemas.openxmlformats.org/officeDocument/2006/relationships" xmlns:p="http://schemas.openxmlformats.org/presentationml/2006/main">
   <p:cSld>
     <p:spTree>
@@ -6773,7 +6596,7 @@
 </p:sld>
 </file>
 
-<file path=ppt/slides/slide16.xml><?xml version="1.0" encoding="utf-8"?>
+<file path=ppt/slides/slide15.xml><?xml version="1.0" encoding="utf-8"?>
 <p:sld xmlns:a="http://schemas.openxmlformats.org/drawingml/2006/main" xmlns:r="http://schemas.openxmlformats.org/officeDocument/2006/relationships" xmlns:p="http://schemas.openxmlformats.org/presentationml/2006/main">
   <p:cSld>
     <p:spTree>
@@ -6856,7 +6679,7 @@
 </p:sld>
 </file>
 
-<file path=ppt/slides/slide17.xml><?xml version="1.0" encoding="utf-8"?>
+<file path=ppt/slides/slide16.xml><?xml version="1.0" encoding="utf-8"?>
 <p:sld xmlns:a="http://schemas.openxmlformats.org/drawingml/2006/main" xmlns:r="http://schemas.openxmlformats.org/officeDocument/2006/relationships" xmlns:p="http://schemas.openxmlformats.org/presentationml/2006/main">
   <p:cSld>
     <p:spTree>
@@ -6927,11 +6750,7 @@
             <a:pPr lvl="1"/>
             <a:r>
               <a:rPr lang="en-US" dirty="0" smtClean="0"/>
-              <a:t>Good </a:t>
-            </a:r>
-            <a:r>
-              <a:rPr lang="en-US" dirty="0" smtClean="0"/>
-              <a:t>results</a:t>
+              <a:t>Good results</a:t>
             </a:r>
           </a:p>
           <a:p>
@@ -6946,7 +6765,6 @@
               <a:rPr lang="da-DK" dirty="0" smtClean="0"/>
               <a:t>Good results, but with room for improvement</a:t>
             </a:r>
-            <a:endParaRPr lang="da-DK" dirty="0" smtClean="0"/>
           </a:p>
           <a:p>
             <a:r>
@@ -6984,7 +6802,7 @@
 </p:sld>
 </file>
 
-<file path=ppt/slides/slide18.xml><?xml version="1.0" encoding="utf-8"?>
+<file path=ppt/slides/slide17.xml><?xml version="1.0" encoding="utf-8"?>
 <p:sld xmlns:a="http://schemas.openxmlformats.org/drawingml/2006/main" xmlns:r="http://schemas.openxmlformats.org/officeDocument/2006/relationships" xmlns:p="http://schemas.openxmlformats.org/presentationml/2006/main">
   <p:cSld>
     <p:spTree>
@@ -7104,6 +6922,126 @@
 </p:sld>
 </file>
 
+<file path=ppt/slides/slide18.xml><?xml version="1.0" encoding="utf-8"?>
+<p:sld xmlns:a="http://schemas.openxmlformats.org/drawingml/2006/main" xmlns:r="http://schemas.openxmlformats.org/officeDocument/2006/relationships" xmlns:p="http://schemas.openxmlformats.org/presentationml/2006/main">
+  <p:cSld>
+    <p:spTree>
+      <p:nvGrpSpPr>
+        <p:cNvPr id="1" name=""/>
+        <p:cNvGrpSpPr/>
+        <p:nvPr/>
+      </p:nvGrpSpPr>
+      <p:grpSpPr>
+        <a:xfrm>
+          <a:off x="0" y="0"/>
+          <a:ext cx="0" cy="0"/>
+          <a:chOff x="0" y="0"/>
+          <a:chExt cx="0" cy="0"/>
+        </a:xfrm>
+      </p:grpSpPr>
+      <p:sp>
+        <p:nvSpPr>
+          <p:cNvPr id="2" name="Title 1"/>
+          <p:cNvSpPr>
+            <a:spLocks noGrp="1"/>
+          </p:cNvSpPr>
+          <p:nvPr>
+            <p:ph type="title"/>
+          </p:nvPr>
+        </p:nvSpPr>
+        <p:spPr/>
+        <p:txBody>
+          <a:bodyPr/>
+          <a:lstStyle/>
+          <a:p>
+            <a:r>
+              <a:rPr lang="en-US" dirty="0" smtClean="0"/>
+              <a:t>Conclusion</a:t>
+            </a:r>
+            <a:endParaRPr lang="en-US" dirty="0"/>
+          </a:p>
+        </p:txBody>
+      </p:sp>
+      <p:sp>
+        <p:nvSpPr>
+          <p:cNvPr id="3" name="Content Placeholder 2"/>
+          <p:cNvSpPr>
+            <a:spLocks noGrp="1"/>
+          </p:cNvSpPr>
+          <p:nvPr>
+            <p:ph idx="1"/>
+          </p:nvPr>
+        </p:nvSpPr>
+        <p:spPr/>
+        <p:txBody>
+          <a:bodyPr/>
+          <a:lstStyle/>
+          <a:p>
+            <a:r>
+              <a:rPr lang="en-US" dirty="0" smtClean="0"/>
+              <a:t>Working prototype</a:t>
+            </a:r>
+          </a:p>
+          <a:p>
+            <a:r>
+              <a:rPr lang="en-US" dirty="0" smtClean="0"/>
+              <a:t>Successful detection of table &amp; balls</a:t>
+            </a:r>
+          </a:p>
+          <a:p>
+            <a:r>
+              <a:rPr lang="en-US" dirty="0" smtClean="0"/>
+              <a:t>Problems with ball identification</a:t>
+            </a:r>
+          </a:p>
+          <a:p>
+            <a:pPr lvl="1"/>
+            <a:r>
+              <a:rPr lang="en-US" dirty="0" smtClean="0"/>
+              <a:t>Sensitive to color light changes</a:t>
+            </a:r>
+          </a:p>
+          <a:p>
+            <a:pPr lvl="1"/>
+            <a:r>
+              <a:rPr lang="en-US" dirty="0" smtClean="0"/>
+              <a:t>Camera problems</a:t>
+            </a:r>
+          </a:p>
+          <a:p>
+            <a:pPr lvl="1"/>
+            <a:r>
+              <a:rPr lang="en-US" dirty="0" smtClean="0"/>
+              <a:t>Unsolved bugs </a:t>
+            </a:r>
+            <a:r>
+              <a:rPr lang="en-US" smtClean="0"/>
+              <a:t>in software</a:t>
+            </a:r>
+            <a:endParaRPr lang="en-US" dirty="0"/>
+          </a:p>
+        </p:txBody>
+      </p:sp>
+    </p:spTree>
+    <p:extLst>
+      <p:ext uri="{BB962C8B-B14F-4D97-AF65-F5344CB8AC3E}">
+        <p14:creationId xmlns:p14="http://schemas.microsoft.com/office/powerpoint/2010/main" val="366166873"/>
+      </p:ext>
+    </p:extLst>
+  </p:cSld>
+  <p:clrMapOvr>
+    <a:masterClrMapping/>
+  </p:clrMapOvr>
+  <p:timing>
+    <p:tnLst>
+      <p:par>
+        <p:cTn id="1" dur="indefinite" restart="never" nodeType="tmRoot"/>
+      </p:par>
+    </p:tnLst>
+  </p:timing>
+</p:sld>
+</file>
+
 <file path=ppt/slides/slide19.xml><?xml version="1.0" encoding="utf-8"?>
 <p:sld xmlns:a="http://schemas.openxmlformats.org/drawingml/2006/main" xmlns:r="http://schemas.openxmlformats.org/officeDocument/2006/relationships" xmlns:p="http://schemas.openxmlformats.org/presentationml/2006/main">
   <p:cSld>
@@ -7137,8 +7075,8 @@
           <a:lstStyle/>
           <a:p>
             <a:r>
-              <a:rPr lang="en-US" dirty="0" smtClean="0"/>
-              <a:t>Conclusion</a:t>
+              <a:rPr lang="da-DK" dirty="0" smtClean="0"/>
+              <a:t>Demo</a:t>
             </a:r>
             <a:endParaRPr lang="en-US" dirty="0"/>
           </a:p>
@@ -7160,45 +7098,8 @@
           <a:lstStyle/>
           <a:p>
             <a:r>
-              <a:rPr lang="en-US" dirty="0" smtClean="0"/>
-              <a:t>Working prototype</a:t>
-            </a:r>
-          </a:p>
-          <a:p>
-            <a:r>
-              <a:rPr lang="en-US" dirty="0" smtClean="0"/>
-              <a:t>Successful detection of table &amp; balls</a:t>
-            </a:r>
-          </a:p>
-          <a:p>
-            <a:r>
-              <a:rPr lang="en-US" dirty="0" smtClean="0"/>
-              <a:t>Problems with ball identification</a:t>
-            </a:r>
-          </a:p>
-          <a:p>
-            <a:pPr lvl="1"/>
-            <a:r>
-              <a:rPr lang="en-US" dirty="0" smtClean="0"/>
-              <a:t>Sensitive to color light changes</a:t>
-            </a:r>
-          </a:p>
-          <a:p>
-            <a:pPr lvl="1"/>
-            <a:r>
-              <a:rPr lang="en-US" dirty="0" smtClean="0"/>
-              <a:t>Camera problems</a:t>
-            </a:r>
-          </a:p>
-          <a:p>
-            <a:pPr lvl="1"/>
-            <a:r>
-              <a:rPr lang="en-US" dirty="0" smtClean="0"/>
-              <a:t>Unsolved bugs </a:t>
-            </a:r>
-            <a:r>
-              <a:rPr lang="en-US" smtClean="0"/>
-              <a:t>in software</a:t>
+              <a:rPr lang="da-DK" dirty="0" smtClean="0"/>
+              <a:t>In multi media lab.</a:t>
             </a:r>
             <a:endParaRPr lang="en-US" dirty="0"/>
           </a:p>
@@ -7207,7 +7108,7 @@
     </p:spTree>
     <p:extLst>
       <p:ext uri="{BB962C8B-B14F-4D97-AF65-F5344CB8AC3E}">
-        <p14:creationId xmlns:p14="http://schemas.microsoft.com/office/powerpoint/2010/main" val="366166873"/>
+        <p14:creationId xmlns:p14="http://schemas.microsoft.com/office/powerpoint/2010/main" val="4164231865"/>
       </p:ext>
     </p:extLst>
   </p:cSld>
@@ -7341,89 +7242,6 @@
 </p:sld>
 </file>
 
-<file path=ppt/slides/slide20.xml><?xml version="1.0" encoding="utf-8"?>
-<p:sld xmlns:a="http://schemas.openxmlformats.org/drawingml/2006/main" xmlns:r="http://schemas.openxmlformats.org/officeDocument/2006/relationships" xmlns:p="http://schemas.openxmlformats.org/presentationml/2006/main">
-  <p:cSld>
-    <p:spTree>
-      <p:nvGrpSpPr>
-        <p:cNvPr id="1" name=""/>
-        <p:cNvGrpSpPr/>
-        <p:nvPr/>
-      </p:nvGrpSpPr>
-      <p:grpSpPr>
-        <a:xfrm>
-          <a:off x="0" y="0"/>
-          <a:ext cx="0" cy="0"/>
-          <a:chOff x="0" y="0"/>
-          <a:chExt cx="0" cy="0"/>
-        </a:xfrm>
-      </p:grpSpPr>
-      <p:sp>
-        <p:nvSpPr>
-          <p:cNvPr id="2" name="Title 1"/>
-          <p:cNvSpPr>
-            <a:spLocks noGrp="1"/>
-          </p:cNvSpPr>
-          <p:nvPr>
-            <p:ph type="title"/>
-          </p:nvPr>
-        </p:nvSpPr>
-        <p:spPr/>
-        <p:txBody>
-          <a:bodyPr/>
-          <a:lstStyle/>
-          <a:p>
-            <a:r>
-              <a:rPr lang="da-DK" dirty="0" smtClean="0"/>
-              <a:t>Demo</a:t>
-            </a:r>
-            <a:endParaRPr lang="en-US" dirty="0"/>
-          </a:p>
-        </p:txBody>
-      </p:sp>
-      <p:sp>
-        <p:nvSpPr>
-          <p:cNvPr id="3" name="Content Placeholder 2"/>
-          <p:cNvSpPr>
-            <a:spLocks noGrp="1"/>
-          </p:cNvSpPr>
-          <p:nvPr>
-            <p:ph idx="1"/>
-          </p:nvPr>
-        </p:nvSpPr>
-        <p:spPr/>
-        <p:txBody>
-          <a:bodyPr/>
-          <a:lstStyle/>
-          <a:p>
-            <a:r>
-              <a:rPr lang="da-DK" dirty="0" smtClean="0"/>
-              <a:t>In multi media lab.</a:t>
-            </a:r>
-            <a:endParaRPr lang="en-US" dirty="0"/>
-          </a:p>
-        </p:txBody>
-      </p:sp>
-    </p:spTree>
-    <p:extLst>
-      <p:ext uri="{BB962C8B-B14F-4D97-AF65-F5344CB8AC3E}">
-        <p14:creationId xmlns:p14="http://schemas.microsoft.com/office/powerpoint/2010/main" val="4164231865"/>
-      </p:ext>
-    </p:extLst>
-  </p:cSld>
-  <p:clrMapOvr>
-    <a:masterClrMapping/>
-  </p:clrMapOvr>
-  <p:timing>
-    <p:tnLst>
-      <p:par>
-        <p:cTn id="1" dur="indefinite" restart="never" nodeType="tmRoot"/>
-      </p:par>
-    </p:tnLst>
-  </p:timing>
-</p:sld>
-</file>
-
 <file path=ppt/slides/slide3.xml><?xml version="1.0" encoding="utf-8"?>
 <p:sld xmlns:a="http://schemas.openxmlformats.org/drawingml/2006/main" xmlns:r="http://schemas.openxmlformats.org/officeDocument/2006/relationships" xmlns:p="http://schemas.openxmlformats.org/presentationml/2006/main">
   <p:cSld>
@@ -7509,7 +7327,7 @@
           <a:graphicData uri="http://schemas.openxmlformats.org/presentationml/2006/ole">
             <mc:AlternateContent xmlns:mc="http://schemas.openxmlformats.org/markup-compatibility/2006">
               <mc:Choice xmlns:v="urn:schemas-microsoft-com:vml" Requires="v">
-                <p:oleObj spid="_x0000_s1034" name="Presentation" r:id="rId3" imgW="4570656" imgH="3427323" progId="PowerPoint.Show.12">
+                <p:oleObj spid="_x0000_s1036" name="Presentation" r:id="rId3" imgW="4570656" imgH="3427323" progId="PowerPoint.Show.12">
                   <p:embed/>
                 </p:oleObj>
               </mc:Choice>
@@ -8735,10 +8553,9 @@
           <a:lstStyle/>
           <a:p>
             <a:r>
-              <a:rPr lang="da-DK" smtClean="0"/>
-              <a:t>Add video</a:t>
-            </a:r>
-            <a:endParaRPr lang="da-DK"/>
+              <a:rPr lang="da-DK" dirty="0" smtClean="0"/>
+              <a:t>Video</a:t>
+            </a:r>
           </a:p>
         </p:txBody>
       </p:sp>
